--- a/6101 Group Project New Version_pranay_3.20 v3.pptx
+++ b/6101 Group Project New Version_pranay_3.20 v3.pptx
@@ -30,8 +30,9 @@
     <p:sldId id="282" r:id="rId24"/>
     <p:sldId id="276" r:id="rId25"/>
     <p:sldId id="280" r:id="rId26"/>
-    <p:sldId id="273" r:id="rId27"/>
-    <p:sldId id="288" r:id="rId28"/>
+    <p:sldId id="289" r:id="rId27"/>
+    <p:sldId id="273" r:id="rId28"/>
+    <p:sldId id="288" r:id="rId29"/>
   </p:sldIdLst>
   <p:sldSz cx="12192000" cy="6858000"/>
   <p:notesSz cx="6858000" cy="9144000"/>
@@ -160,6 +161,7 @@
             <p14:sldId id="282"/>
             <p14:sldId id="276"/>
             <p14:sldId id="280"/>
+            <p14:sldId id="289"/>
             <p14:sldId id="273"/>
             <p14:sldId id="288"/>
           </p14:sldIdLst>
@@ -9422,6 +9424,240 @@
       </p:grpSpPr>
       <p:sp>
         <p:nvSpPr>
+          <p:cNvPr id="2" name="Title 1">
+            <a:extLst>
+              <a:ext uri="{FF2B5EF4-FFF2-40B4-BE49-F238E27FC236}">
+                <a16:creationId xmlns:a16="http://schemas.microsoft.com/office/drawing/2014/main" id="{F626718D-885F-4A93-9ECE-08FBC0700AFD}"/>
+              </a:ext>
+            </a:extLst>
+          </p:cNvPr>
+          <p:cNvSpPr>
+            <a:spLocks noGrp="1"/>
+          </p:cNvSpPr>
+          <p:nvPr>
+            <p:ph type="title"/>
+          </p:nvPr>
+        </p:nvSpPr>
+        <p:spPr>
+          <a:xfrm>
+            <a:off x="677334" y="609600"/>
+            <a:ext cx="8596668" cy="793072"/>
+          </a:xfrm>
+        </p:spPr>
+        <p:txBody>
+          <a:bodyPr/>
+          <a:lstStyle/>
+          <a:p>
+            <a:r>
+              <a:rPr lang="en-US" dirty="0"/>
+              <a:t>VIF test on all the variables </a:t>
+            </a:r>
+            <a:endParaRPr lang="en-IN" dirty="0"/>
+          </a:p>
+        </p:txBody>
+      </p:sp>
+      <p:pic>
+        <p:nvPicPr>
+          <p:cNvPr id="5" name="Content Placeholder 4">
+            <a:extLst>
+              <a:ext uri="{FF2B5EF4-FFF2-40B4-BE49-F238E27FC236}">
+                <a16:creationId xmlns:a16="http://schemas.microsoft.com/office/drawing/2014/main" id="{EB0FD7AF-9C9C-45A6-9EC5-97E9073BCB2F}"/>
+              </a:ext>
+            </a:extLst>
+          </p:cNvPr>
+          <p:cNvPicPr>
+            <a:picLocks noGrp="1" noChangeAspect="1"/>
+          </p:cNvPicPr>
+          <p:nvPr>
+            <p:ph idx="1"/>
+          </p:nvPr>
+        </p:nvPicPr>
+        <p:blipFill>
+          <a:blip r:embed="rId2"/>
+          <a:stretch>
+            <a:fillRect/>
+          </a:stretch>
+        </p:blipFill>
+        <p:spPr>
+          <a:xfrm>
+            <a:off x="994789" y="3705781"/>
+            <a:ext cx="9587393" cy="2542619"/>
+          </a:xfrm>
+        </p:spPr>
+      </p:pic>
+      <p:sp>
+        <p:nvSpPr>
+          <p:cNvPr id="7" name="TextBox 6">
+            <a:extLst>
+              <a:ext uri="{FF2B5EF4-FFF2-40B4-BE49-F238E27FC236}">
+                <a16:creationId xmlns:a16="http://schemas.microsoft.com/office/drawing/2014/main" id="{88A162AC-B7B2-4EBC-9580-F1BD9C834A8E}"/>
+              </a:ext>
+            </a:extLst>
+          </p:cNvPr>
+          <p:cNvSpPr txBox="1"/>
+          <p:nvPr/>
+        </p:nvSpPr>
+        <p:spPr>
+          <a:xfrm>
+            <a:off x="807867" y="1402670"/>
+            <a:ext cx="10120545" cy="2554545"/>
+          </a:xfrm>
+          <a:prstGeom prst="rect">
+            <a:avLst/>
+          </a:prstGeom>
+          <a:noFill/>
+        </p:spPr>
+        <p:txBody>
+          <a:bodyPr wrap="square" rtlCol="0">
+            <a:spAutoFit/>
+          </a:bodyPr>
+          <a:lstStyle/>
+          <a:p>
+            <a:r>
+              <a:rPr lang="en-US" sz="2000" dirty="0">
+                <a:latin typeface="Helvetica" panose="020B0604020202020204" pitchFamily="34" charset="0"/>
+                <a:cs typeface="Helvetica" panose="020B0604020202020204" pitchFamily="34" charset="0"/>
+              </a:rPr>
+              <a:t>Since model 4 has linearly dependent variables we remove `</a:t>
+            </a:r>
+            <a:r>
+              <a:rPr lang="en-US" sz="2000" dirty="0" err="1">
+                <a:latin typeface="Helvetica" panose="020B0604020202020204" pitchFamily="34" charset="0"/>
+                <a:cs typeface="Helvetica" panose="020B0604020202020204" pitchFamily="34" charset="0"/>
+              </a:rPr>
+              <a:t>panels_total</a:t>
+            </a:r>
+            <a:r>
+              <a:rPr lang="en-US" sz="2000" dirty="0">
+                <a:latin typeface="Helvetica" panose="020B0604020202020204" pitchFamily="34" charset="0"/>
+                <a:cs typeface="Helvetica" panose="020B0604020202020204" pitchFamily="34" charset="0"/>
+              </a:rPr>
+              <a:t>` from the model and we do </a:t>
+            </a:r>
+            <a:r>
+              <a:rPr lang="en-US" sz="2000" dirty="0" err="1">
+                <a:latin typeface="Helvetica" panose="020B0604020202020204" pitchFamily="34" charset="0"/>
+                <a:cs typeface="Helvetica" panose="020B0604020202020204" pitchFamily="34" charset="0"/>
+              </a:rPr>
+              <a:t>vif</a:t>
+            </a:r>
+            <a:r>
+              <a:rPr lang="en-US" sz="2000" dirty="0">
+                <a:latin typeface="Helvetica" panose="020B0604020202020204" pitchFamily="34" charset="0"/>
+                <a:cs typeface="Helvetica" panose="020B0604020202020204" pitchFamily="34" charset="0"/>
+              </a:rPr>
+              <a:t> test again. </a:t>
+            </a:r>
+          </a:p>
+          <a:p>
+            <a:endParaRPr lang="en-US" sz="2000" dirty="0">
+              <a:latin typeface="Helvetica" panose="020B0604020202020204" pitchFamily="34" charset="0"/>
+              <a:cs typeface="Helvetica" panose="020B0604020202020204" pitchFamily="34" charset="0"/>
+            </a:endParaRPr>
+          </a:p>
+          <a:p>
+            <a:r>
+              <a:rPr lang="en-US" sz="2000" dirty="0">
+                <a:latin typeface="Helvetica" panose="020B0604020202020204" pitchFamily="34" charset="0"/>
+                <a:cs typeface="Helvetica" panose="020B0604020202020204" pitchFamily="34" charset="0"/>
+              </a:rPr>
+              <a:t>From the </a:t>
+            </a:r>
+            <a:r>
+              <a:rPr lang="en-US" sz="2000" dirty="0" err="1">
+                <a:latin typeface="Helvetica" panose="020B0604020202020204" pitchFamily="34" charset="0"/>
+                <a:cs typeface="Helvetica" panose="020B0604020202020204" pitchFamily="34" charset="0"/>
+              </a:rPr>
+              <a:t>vif</a:t>
+            </a:r>
+            <a:r>
+              <a:rPr lang="en-US" sz="2000" dirty="0">
+                <a:latin typeface="Helvetica" panose="020B0604020202020204" pitchFamily="34" charset="0"/>
+                <a:cs typeface="Helvetica" panose="020B0604020202020204" pitchFamily="34" charset="0"/>
+              </a:rPr>
+              <a:t> test we can observe that only ‘</a:t>
+            </a:r>
+            <a:r>
+              <a:rPr lang="en-US" sz="2000" dirty="0" err="1">
+                <a:latin typeface="Helvetica" panose="020B0604020202020204" pitchFamily="34" charset="0"/>
+                <a:cs typeface="Helvetica" panose="020B0604020202020204" pitchFamily="34" charset="0"/>
+              </a:rPr>
+              <a:t>panels_north</a:t>
+            </a:r>
+            <a:r>
+              <a:rPr lang="en-US" sz="2000" dirty="0">
+                <a:latin typeface="Helvetica" panose="020B0604020202020204" pitchFamily="34" charset="0"/>
+                <a:cs typeface="Helvetica" panose="020B0604020202020204" pitchFamily="34" charset="0"/>
+              </a:rPr>
+              <a:t>’ has acceptable </a:t>
+            </a:r>
+            <a:r>
+              <a:rPr lang="en-US" sz="2000" dirty="0" err="1">
+                <a:latin typeface="Helvetica" panose="020B0604020202020204" pitchFamily="34" charset="0"/>
+                <a:cs typeface="Helvetica" panose="020B0604020202020204" pitchFamily="34" charset="0"/>
+              </a:rPr>
+              <a:t>vif</a:t>
+            </a:r>
+            <a:r>
+              <a:rPr lang="en-US" sz="2000" dirty="0">
+                <a:latin typeface="Helvetica" panose="020B0604020202020204" pitchFamily="34" charset="0"/>
+                <a:cs typeface="Helvetica" panose="020B0604020202020204" pitchFamily="34" charset="0"/>
+              </a:rPr>
+              <a:t> values, rest of the directional panels have high multicollinearity.</a:t>
+            </a:r>
+          </a:p>
+          <a:p>
+            <a:endParaRPr lang="en-US" sz="2000" dirty="0">
+              <a:latin typeface="Helvetica" panose="020B0604020202020204" pitchFamily="34" charset="0"/>
+              <a:cs typeface="Helvetica" panose="020B0604020202020204" pitchFamily="34" charset="0"/>
+            </a:endParaRPr>
+          </a:p>
+          <a:p>
+            <a:endParaRPr lang="en-US" sz="2000" dirty="0">
+              <a:latin typeface="Helvetica" panose="020B0604020202020204" pitchFamily="34" charset="0"/>
+              <a:cs typeface="Helvetica" panose="020B0604020202020204" pitchFamily="34" charset="0"/>
+            </a:endParaRPr>
+          </a:p>
+          <a:p>
+            <a:endParaRPr lang="en-IN" sz="2000" dirty="0">
+              <a:latin typeface="Helvetica" panose="020B0604020202020204" pitchFamily="34" charset="0"/>
+              <a:cs typeface="Helvetica" panose="020B0604020202020204" pitchFamily="34" charset="0"/>
+            </a:endParaRPr>
+          </a:p>
+        </p:txBody>
+      </p:sp>
+    </p:spTree>
+    <p:extLst>
+      <p:ext uri="{BB962C8B-B14F-4D97-AF65-F5344CB8AC3E}">
+        <p14:creationId xmlns:p14="http://schemas.microsoft.com/office/powerpoint/2010/main" val="2100440121"/>
+      </p:ext>
+    </p:extLst>
+  </p:cSld>
+  <p:clrMapOvr>
+    <a:masterClrMapping/>
+  </p:clrMapOvr>
+</p:sld>
+</file>
+
+<file path=ppt/slides/slide27.xml><?xml version="1.0" encoding="utf-8"?>
+<p:sld xmlns:a="http://schemas.openxmlformats.org/drawingml/2006/main" xmlns:r="http://schemas.openxmlformats.org/officeDocument/2006/relationships" xmlns:p="http://schemas.openxmlformats.org/presentationml/2006/main">
+  <p:cSld>
+    <p:spTree>
+      <p:nvGrpSpPr>
+        <p:cNvPr id="1" name=""/>
+        <p:cNvGrpSpPr/>
+        <p:nvPr/>
+      </p:nvGrpSpPr>
+      <p:grpSpPr>
+        <a:xfrm>
+          <a:off x="0" y="0"/>
+          <a:ext cx="0" cy="0"/>
+          <a:chOff x="0" y="0"/>
+          <a:chExt cx="0" cy="0"/>
+        </a:xfrm>
+      </p:grpSpPr>
+      <p:sp>
+        <p:nvSpPr>
           <p:cNvPr id="2" name="TextBox 1">
             <a:extLst>
               <a:ext uri="{FF2B5EF4-FFF2-40B4-BE49-F238E27FC236}">
@@ -9475,7 +9711,7 @@
 </p:sld>
 </file>
 
-<file path=ppt/slides/slide27.xml><?xml version="1.0" encoding="utf-8"?>
+<file path=ppt/slides/slide28.xml><?xml version="1.0" encoding="utf-8"?>
 <p:sld xmlns:a="http://schemas.openxmlformats.org/drawingml/2006/main" xmlns:r="http://schemas.openxmlformats.org/officeDocument/2006/relationships" xmlns:p="http://schemas.openxmlformats.org/presentationml/2006/main">
   <p:cSld>
     <p:spTree>

--- a/6101 Group Project New Version_pranay_3.20 v3.pptx
+++ b/6101 Group Project New Version_pranay_3.20 v3.pptx
@@ -9518,7 +9518,21 @@
                 <a:latin typeface="Helvetica" panose="020B0604020202020204" pitchFamily="34" charset="0"/>
                 <a:cs typeface="Helvetica" panose="020B0604020202020204" pitchFamily="34" charset="0"/>
               </a:rPr>
-              <a:t>Since model 4 has linearly dependent variables we remove `</a:t>
+              <a:t>Since model </a:t>
+            </a:r>
+            <a:r>
+              <a:rPr lang="en-US" sz="2000">
+                <a:latin typeface="Helvetica" panose="020B0604020202020204" pitchFamily="34" charset="0"/>
+                <a:cs typeface="Helvetica" panose="020B0604020202020204" pitchFamily="34" charset="0"/>
+              </a:rPr>
+              <a:t>4 had </a:t>
+            </a:r>
+            <a:r>
+              <a:rPr lang="en-US" sz="2000" dirty="0">
+                <a:latin typeface="Helvetica" panose="020B0604020202020204" pitchFamily="34" charset="0"/>
+                <a:cs typeface="Helvetica" panose="020B0604020202020204" pitchFamily="34" charset="0"/>
+              </a:rPr>
+              <a:t>linearly dependent variables we remove `</a:t>
             </a:r>
             <a:r>
               <a:rPr lang="en-US" sz="2000" dirty="0" err="1">

--- a/6101 Group Project New Version_pranay_3.20 v3.pptx
+++ b/6101 Group Project New Version_pranay_3.20 v3.pptx
@@ -9217,7 +9217,7 @@
         </p:nvSpPr>
         <p:spPr>
           <a:xfrm>
-            <a:off x="686211" y="281126"/>
+            <a:off x="1057295" y="281123"/>
             <a:ext cx="8596668" cy="739806"/>
           </a:xfrm>
         </p:spPr>
@@ -9256,7 +9256,7 @@
         </p:blipFill>
         <p:spPr>
           <a:xfrm>
-            <a:off x="1029809" y="3055354"/>
+            <a:off x="934786" y="3188522"/>
             <a:ext cx="9338837" cy="3521520"/>
           </a:xfrm>
         </p:spPr>
@@ -9276,7 +9276,7 @@
         <p:spPr>
           <a:xfrm>
             <a:off x="1029810" y="1020929"/>
-            <a:ext cx="8877670" cy="2585323"/>
+            <a:ext cx="8877670" cy="2862322"/>
           </a:xfrm>
           <a:prstGeom prst="rect">
             <a:avLst/>
@@ -9290,35 +9290,35 @@
           <a:lstStyle/>
           <a:p>
             <a:r>
-              <a:rPr lang="en-IN" dirty="0">
+              <a:rPr lang="en-IN" sz="2000" dirty="0">
                 <a:latin typeface="Helvetica" panose="020B0604020202020204" pitchFamily="34" charset="0"/>
                 <a:cs typeface="Helvetica" panose="020B0604020202020204" pitchFamily="34" charset="0"/>
               </a:rPr>
-              <a:t>From the </a:t>
-            </a:r>
-            <a:r>
-              <a:rPr lang="en-IN" dirty="0" err="1">
+              <a:t>From the VIF tests on the models we can observe that only </a:t>
+            </a:r>
+            <a:r>
+              <a:rPr lang="en-IN" sz="2000" b="1" dirty="0">
                 <a:latin typeface="Helvetica" panose="020B0604020202020204" pitchFamily="34" charset="0"/>
                 <a:cs typeface="Helvetica" panose="020B0604020202020204" pitchFamily="34" charset="0"/>
               </a:rPr>
-              <a:t>vif</a:t>
-            </a:r>
-            <a:r>
-              <a:rPr lang="en-IN" dirty="0">
+              <a:t>`region`</a:t>
+            </a:r>
+            <a:r>
+              <a:rPr lang="en-IN" sz="2000" dirty="0">
                 <a:latin typeface="Helvetica" panose="020B0604020202020204" pitchFamily="34" charset="0"/>
                 <a:cs typeface="Helvetica" panose="020B0604020202020204" pitchFamily="34" charset="0"/>
               </a:rPr>
-              <a:t> tests on the models we can observe that only region variable has acceptable </a:t>
-            </a:r>
-            <a:r>
-              <a:rPr lang="en-IN" dirty="0" err="1">
+              <a:t> variable has acceptable </a:t>
+            </a:r>
+            <a:r>
+              <a:rPr lang="en-IN" sz="2000" dirty="0" err="1">
                 <a:latin typeface="Helvetica" panose="020B0604020202020204" pitchFamily="34" charset="0"/>
                 <a:cs typeface="Helvetica" panose="020B0604020202020204" pitchFamily="34" charset="0"/>
               </a:rPr>
               <a:t>vif</a:t>
             </a:r>
             <a:r>
-              <a:rPr lang="en-IN" dirty="0">
+              <a:rPr lang="en-IN" sz="2000" dirty="0">
                 <a:latin typeface="Helvetica" panose="020B0604020202020204" pitchFamily="34" charset="0"/>
                 <a:cs typeface="Helvetica" panose="020B0604020202020204" pitchFamily="34" charset="0"/>
               </a:rPr>
@@ -9326,66 +9326,52 @@
             </a:r>
           </a:p>
           <a:p>
-            <a:endParaRPr lang="en-IN" dirty="0">
+            <a:endParaRPr lang="en-IN" sz="2000" dirty="0">
               <a:latin typeface="Helvetica" panose="020B0604020202020204" pitchFamily="34" charset="0"/>
               <a:cs typeface="Helvetica" panose="020B0604020202020204" pitchFamily="34" charset="0"/>
             </a:endParaRPr>
           </a:p>
           <a:p>
             <a:r>
-              <a:rPr lang="en-IN" dirty="0">
+              <a:rPr lang="en-IN" sz="2000" dirty="0">
                 <a:latin typeface="Helvetica" panose="020B0604020202020204" pitchFamily="34" charset="0"/>
                 <a:cs typeface="Helvetica" panose="020B0604020202020204" pitchFamily="34" charset="0"/>
               </a:rPr>
-              <a:t>The </a:t>
-            </a:r>
-            <a:r>
-              <a:rPr lang="en-IN" dirty="0" err="1">
+              <a:t>The VIF test for model 4 indicates presence of aliased coefficients in the model which means that the addition of remaining 4 directional panels to the model is resulting in </a:t>
+            </a:r>
+            <a:r>
+              <a:rPr lang="en-IN" sz="2000" b="1" dirty="0">
                 <a:latin typeface="Helvetica" panose="020B0604020202020204" pitchFamily="34" charset="0"/>
                 <a:cs typeface="Helvetica" panose="020B0604020202020204" pitchFamily="34" charset="0"/>
               </a:rPr>
-              <a:t>vif</a:t>
-            </a:r>
-            <a:r>
-              <a:rPr lang="en-IN" dirty="0">
+              <a:t>perfect multicollinearity, </a:t>
+            </a:r>
+            <a:r>
+              <a:rPr lang="en-IN" sz="2000" dirty="0">
                 <a:latin typeface="Helvetica" panose="020B0604020202020204" pitchFamily="34" charset="0"/>
                 <a:cs typeface="Helvetica" panose="020B0604020202020204" pitchFamily="34" charset="0"/>
               </a:rPr>
-              <a:t> test for model4 indicates presence of aliased coefficients in the model which means that the addition of remaining 4 directional panels to the model is resulting in </a:t>
-            </a:r>
-            <a:r>
-              <a:rPr lang="en-IN" b="1" dirty="0">
-                <a:latin typeface="Helvetica" panose="020B0604020202020204" pitchFamily="34" charset="0"/>
-                <a:cs typeface="Helvetica" panose="020B0604020202020204" pitchFamily="34" charset="0"/>
-              </a:rPr>
-              <a:t>perfect multicollinearity, </a:t>
-            </a:r>
-            <a:r>
-              <a:rPr lang="en-IN" dirty="0">
-                <a:latin typeface="Helvetica" panose="020B0604020202020204" pitchFamily="34" charset="0"/>
-                <a:cs typeface="Helvetica" panose="020B0604020202020204" pitchFamily="34" charset="0"/>
-              </a:rPr>
               <a:t>which is not acceptable at all.</a:t>
             </a:r>
-            <a:endParaRPr lang="en-IN" b="1" dirty="0">
+            <a:endParaRPr lang="en-IN" sz="2000" b="1" dirty="0">
               <a:latin typeface="Helvetica" panose="020B0604020202020204" pitchFamily="34" charset="0"/>
               <a:cs typeface="Helvetica" panose="020B0604020202020204" pitchFamily="34" charset="0"/>
             </a:endParaRPr>
           </a:p>
           <a:p>
-            <a:endParaRPr lang="en-IN" dirty="0">
+            <a:endParaRPr lang="en-IN" sz="2000" dirty="0">
               <a:latin typeface="Helvetica" panose="020B0604020202020204" pitchFamily="34" charset="0"/>
               <a:cs typeface="Helvetica" panose="020B0604020202020204" pitchFamily="34" charset="0"/>
             </a:endParaRPr>
           </a:p>
           <a:p>
-            <a:endParaRPr lang="en-IN" dirty="0">
+            <a:endParaRPr lang="en-IN" sz="2000" dirty="0">
               <a:latin typeface="Helvetica" panose="020B0604020202020204" pitchFamily="34" charset="0"/>
               <a:cs typeface="Helvetica" panose="020B0604020202020204" pitchFamily="34" charset="0"/>
             </a:endParaRPr>
           </a:p>
           <a:p>
-            <a:endParaRPr lang="en-IN" dirty="0">
+            <a:endParaRPr lang="en-IN" sz="2000" dirty="0">
               <a:latin typeface="Helvetica" panose="020B0604020202020204" pitchFamily="34" charset="0"/>
               <a:cs typeface="Helvetica" panose="020B0604020202020204" pitchFamily="34" charset="0"/>
             </a:endParaRPr>
@@ -9518,21 +9504,7 @@
                 <a:latin typeface="Helvetica" panose="020B0604020202020204" pitchFamily="34" charset="0"/>
                 <a:cs typeface="Helvetica" panose="020B0604020202020204" pitchFamily="34" charset="0"/>
               </a:rPr>
-              <a:t>Since model </a:t>
-            </a:r>
-            <a:r>
-              <a:rPr lang="en-US" sz="2000">
-                <a:latin typeface="Helvetica" panose="020B0604020202020204" pitchFamily="34" charset="0"/>
-                <a:cs typeface="Helvetica" panose="020B0604020202020204" pitchFamily="34" charset="0"/>
-              </a:rPr>
-              <a:t>4 had </a:t>
-            </a:r>
-            <a:r>
-              <a:rPr lang="en-US" sz="2000" dirty="0">
-                <a:latin typeface="Helvetica" panose="020B0604020202020204" pitchFamily="34" charset="0"/>
-                <a:cs typeface="Helvetica" panose="020B0604020202020204" pitchFamily="34" charset="0"/>
-              </a:rPr>
-              <a:t>linearly dependent variables we remove `</a:t>
+              <a:t>Since model 4 had linearly dependent variables we remove `</a:t>
             </a:r>
             <a:r>
               <a:rPr lang="en-US" sz="2000" dirty="0" err="1">
@@ -9575,50 +9547,47 @@
                 <a:latin typeface="Helvetica" panose="020B0604020202020204" pitchFamily="34" charset="0"/>
                 <a:cs typeface="Helvetica" panose="020B0604020202020204" pitchFamily="34" charset="0"/>
               </a:rPr>
-              <a:t>From the </a:t>
+              <a:t>From the VIF test we can observe that all of the directional panels have high multicollinearity, ‘</a:t>
             </a:r>
             <a:r>
               <a:rPr lang="en-US" sz="2000" dirty="0" err="1">
                 <a:latin typeface="Helvetica" panose="020B0604020202020204" pitchFamily="34" charset="0"/>
                 <a:cs typeface="Helvetica" panose="020B0604020202020204" pitchFamily="34" charset="0"/>
               </a:rPr>
-              <a:t>vif</a:t>
+              <a:t>panels_north</a:t>
             </a:r>
             <a:r>
               <a:rPr lang="en-US" sz="2000" dirty="0">
                 <a:latin typeface="Helvetica" panose="020B0604020202020204" pitchFamily="34" charset="0"/>
                 <a:cs typeface="Helvetica" panose="020B0604020202020204" pitchFamily="34" charset="0"/>
               </a:rPr>
-              <a:t> test we can observe that only ‘</a:t>
+              <a:t>’ is near the acceptable </a:t>
             </a:r>
             <a:r>
               <a:rPr lang="en-US" sz="2000" dirty="0" err="1">
                 <a:latin typeface="Helvetica" panose="020B0604020202020204" pitchFamily="34" charset="0"/>
                 <a:cs typeface="Helvetica" panose="020B0604020202020204" pitchFamily="34" charset="0"/>
               </a:rPr>
-              <a:t>panels_north</a:t>
+              <a:t>vif</a:t>
             </a:r>
             <a:r>
               <a:rPr lang="en-US" sz="2000" dirty="0">
                 <a:latin typeface="Helvetica" panose="020B0604020202020204" pitchFamily="34" charset="0"/>
                 <a:cs typeface="Helvetica" panose="020B0604020202020204" pitchFamily="34" charset="0"/>
               </a:rPr>
-              <a:t>’ has acceptable </a:t>
-            </a:r>
-            <a:r>
-              <a:rPr lang="en-US" sz="2000" dirty="0" err="1">
+              <a:t> value but it is </a:t>
+            </a:r>
+            <a:r>
+              <a:rPr lang="en-US" sz="2000">
                 <a:latin typeface="Helvetica" panose="020B0604020202020204" pitchFamily="34" charset="0"/>
                 <a:cs typeface="Helvetica" panose="020B0604020202020204" pitchFamily="34" charset="0"/>
               </a:rPr>
-              <a:t>vif</a:t>
-            </a:r>
-            <a:r>
-              <a:rPr lang="en-US" sz="2000" dirty="0">
-                <a:latin typeface="Helvetica" panose="020B0604020202020204" pitchFamily="34" charset="0"/>
-                <a:cs typeface="Helvetica" panose="020B0604020202020204" pitchFamily="34" charset="0"/>
-              </a:rPr>
-              <a:t> values, rest of the directional panels have high multicollinearity.</a:t>
-            </a:r>
+              <a:t>above 5.</a:t>
+            </a:r>
+            <a:endParaRPr lang="en-US" sz="2000" dirty="0">
+              <a:latin typeface="Helvetica" panose="020B0604020202020204" pitchFamily="34" charset="0"/>
+              <a:cs typeface="Helvetica" panose="020B0604020202020204" pitchFamily="34" charset="0"/>
+            </a:endParaRPr>
           </a:p>
           <a:p>
             <a:endParaRPr lang="en-US" sz="2000" dirty="0">
